--- a/09-approaches_to_extending_resources.pptx
+++ b/09-approaches_to_extending_resources.pptx
@@ -3058,10 +3058,10 @@
   </dgm:ptLst>
   <dgm:cxnLst>
     <dgm:cxn modelId="{F4DE8C46-0B40-884E-80D6-59AA2904653D}" type="presOf" srcId="{BFCE3FFC-2A5A-B94A-B315-321077FA6C2F}" destId="{98702761-CB5E-3340-A16B-7F22126C918F}" srcOrd="0" destOrd="0" presId="urn:microsoft.com/office/officeart/2005/8/layout/hierarchy6"/>
+    <dgm:cxn modelId="{96632554-B1C1-1348-BEC1-6F4DEE507156}" type="presOf" srcId="{7D94CC99-D4ED-3844-BB9D-D17C4AC621C8}" destId="{01A38D8A-860D-2747-B413-E49CE58D40F5}" srcOrd="0" destOrd="0" presId="urn:microsoft.com/office/officeart/2005/8/layout/hierarchy6"/>
+    <dgm:cxn modelId="{61491158-B047-E346-A100-A4B63E5DD5B1}" srcId="{BFCE3FFC-2A5A-B94A-B315-321077FA6C2F}" destId="{E185FB68-F9F0-7049-B24A-AE5A5533C111}" srcOrd="1" destOrd="0" parTransId="{996F819F-5AAC-FD48-9978-8D200E71065A}" sibTransId="{4A5EAB6D-77EF-EB48-9D69-B11771F898A6}"/>
     <dgm:cxn modelId="{B006F36C-6982-1241-B4A4-47AF0917CA45}" type="presOf" srcId="{2FFF5727-C808-AA44-B424-22D114F80618}" destId="{D1518E98-7014-1346-9956-93532FAEE1F6}" srcOrd="0" destOrd="0" presId="urn:microsoft.com/office/officeart/2005/8/layout/hierarchy6"/>
     <dgm:cxn modelId="{19F54271-9CEB-8D40-8DCC-15BA62B81F38}" type="presOf" srcId="{3436EACD-6E7D-B148-872B-E7C187CB5172}" destId="{402812DC-EDB5-CA4B-ABE2-5EF799AB7C71}" srcOrd="0" destOrd="0" presId="urn:microsoft.com/office/officeart/2005/8/layout/hierarchy6"/>
-    <dgm:cxn modelId="{96632554-B1C1-1348-BEC1-6F4DEE507156}" type="presOf" srcId="{7D94CC99-D4ED-3844-BB9D-D17C4AC621C8}" destId="{01A38D8A-860D-2747-B413-E49CE58D40F5}" srcOrd="0" destOrd="0" presId="urn:microsoft.com/office/officeart/2005/8/layout/hierarchy6"/>
-    <dgm:cxn modelId="{61491158-B047-E346-A100-A4B63E5DD5B1}" srcId="{BFCE3FFC-2A5A-B94A-B315-321077FA6C2F}" destId="{E185FB68-F9F0-7049-B24A-AE5A5533C111}" srcOrd="1" destOrd="0" parTransId="{996F819F-5AAC-FD48-9978-8D200E71065A}" sibTransId="{4A5EAB6D-77EF-EB48-9D69-B11771F898A6}"/>
     <dgm:cxn modelId="{4A8A2D7D-EE89-4F4B-B89D-36AA4DFA4471}" type="presOf" srcId="{E185FB68-F9F0-7049-B24A-AE5A5533C111}" destId="{7115D795-B8AD-D94E-8A72-798C7D5483A5}" srcOrd="1" destOrd="0" presId="urn:microsoft.com/office/officeart/2005/8/layout/hierarchy6"/>
     <dgm:cxn modelId="{3DDE6A81-B40E-7242-8078-3BFCFC15299D}" type="presOf" srcId="{85D4C2C2-5B28-B740-9604-687CBBE39E64}" destId="{E0B08550-95F8-B846-B6FA-2811AA8AD3BF}" srcOrd="0" destOrd="0" presId="urn:microsoft.com/office/officeart/2005/8/layout/hierarchy6"/>
     <dgm:cxn modelId="{1708AF9C-37B8-804D-80AD-F3647BDB4F97}" srcId="{BFCE3FFC-2A5A-B94A-B315-321077FA6C2F}" destId="{7D94CC99-D4ED-3844-BB9D-D17C4AC621C8}" srcOrd="0" destOrd="0" parTransId="{CF9FFD62-1D3B-3743-A5D0-DD85018F0CDF}" sibTransId="{8E96BD9F-BD6D-2547-97EF-53082827455D}"/>
@@ -3389,8 +3389,8 @@
     <dgm:cxn modelId="{7F42F216-B7C0-A347-BA42-EFDB4730CE43}" srcId="{6D1811BA-303C-DF43-A7B8-4D589036259C}" destId="{A6C4A678-19B0-3C4E-B0CB-693A430E4A19}" srcOrd="0" destOrd="0" parTransId="{B98EE58F-0888-E441-8A36-8C5063AEB8C6}" sibTransId="{058D59A9-0C42-FF4B-B99D-3B5F66E95B3C}"/>
     <dgm:cxn modelId="{5C072A26-70DF-7147-BCAD-E270EF0A19B8}" type="presOf" srcId="{879B3F58-CE5B-724D-B140-E8DC7B56172C}" destId="{8A880941-977D-8D43-A10A-80809A0760CB}" srcOrd="0" destOrd="0" presId="urn:microsoft.com/office/officeart/2005/8/layout/target2"/>
     <dgm:cxn modelId="{61EDB326-1564-4244-A3DF-96D8708C3B9E}" srcId="{6D1811BA-303C-DF43-A7B8-4D589036259C}" destId="{C4337650-8C6B-CE4E-9546-23C08AEC1E85}" srcOrd="1" destOrd="0" parTransId="{A9C970DF-0D62-5343-89F7-32769FC21B2C}" sibTransId="{BEE8361F-BF99-624A-92CD-BDEC3D897E9C}"/>
+    <dgm:cxn modelId="{A33B2B4C-299E-D84D-9894-695AE6262439}" srcId="{3D5EFE47-78AE-7042-9893-BC218D180474}" destId="{879B3F58-CE5B-724D-B140-E8DC7B56172C}" srcOrd="0" destOrd="0" parTransId="{7B27EF20-7696-A24E-880A-8C19187E2C8B}" sibTransId="{7B946E38-ECDA-CF4D-9308-3D1F708910F6}"/>
     <dgm:cxn modelId="{4E55DA6A-D140-DD43-B8A4-DBCA19D91255}" type="presOf" srcId="{C4337650-8C6B-CE4E-9546-23C08AEC1E85}" destId="{786A698B-F9CB-5E4D-B216-D48868D2B235}" srcOrd="0" destOrd="2" presId="urn:microsoft.com/office/officeart/2005/8/layout/target2"/>
-    <dgm:cxn modelId="{A33B2B4C-299E-D84D-9894-695AE6262439}" srcId="{3D5EFE47-78AE-7042-9893-BC218D180474}" destId="{879B3F58-CE5B-724D-B140-E8DC7B56172C}" srcOrd="0" destOrd="0" parTransId="{7B27EF20-7696-A24E-880A-8C19187E2C8B}" sibTransId="{7B946E38-ECDA-CF4D-9308-3D1F708910F6}"/>
     <dgm:cxn modelId="{F85BA382-9D23-894A-AE40-13EBD6D3586F}" srcId="{879B3F58-CE5B-724D-B140-E8DC7B56172C}" destId="{6D1811BA-303C-DF43-A7B8-4D589036259C}" srcOrd="0" destOrd="0" parTransId="{7CACE5D6-FBAD-4041-9801-B9433867A768}" sibTransId="{02AA3A28-BD89-0544-801A-3F0414A3CB37}"/>
     <dgm:cxn modelId="{8F471DB5-2C89-9A43-8BD8-492F94EDCCB3}" type="presOf" srcId="{6D1811BA-303C-DF43-A7B8-4D589036259C}" destId="{786A698B-F9CB-5E4D-B216-D48868D2B235}" srcOrd="0" destOrd="0" presId="urn:microsoft.com/office/officeart/2005/8/layout/target2"/>
     <dgm:cxn modelId="{499A68BF-A7F1-B840-BF69-92E51A37487C}" type="presOf" srcId="{A6C4A678-19B0-3C4E-B0CB-693A430E4A19}" destId="{786A698B-F9CB-5E4D-B216-D48868D2B235}" srcOrd="0" destOrd="1" presId="urn:microsoft.com/office/officeart/2005/8/layout/target2"/>
@@ -14772,14 +14772,14 @@
           </a:ln>
           <a:extLst>
             <a:ext uri="{909E8E84-426E-40dd-AFC4-6F175D3DCCD1}">
-              <a14:hiddenFill xmlns="" xmlns:a14="http://schemas.microsoft.com/office/drawing/2010/main">
+              <a14:hiddenFill xmlns:a14="http://schemas.microsoft.com/office/drawing/2010/main" xmlns="">
                 <a:solidFill>
                   <a:srgbClr val="FFFFFF"/>
                 </a:solidFill>
               </a14:hiddenFill>
             </a:ext>
             <a:ext uri="{91240B29-F687-4f45-9708-019B960494DF}">
-              <a14:hiddenLine xmlns="" xmlns:a14="http://schemas.microsoft.com/office/drawing/2010/main" w="9525">
+              <a14:hiddenLine xmlns:a14="http://schemas.microsoft.com/office/drawing/2010/main" xmlns="" w="9525">
                 <a:solidFill>
                   <a:srgbClr val="000000"/>
                 </a:solidFill>
@@ -14927,14 +14927,14 @@
           </a:ln>
           <a:extLst>
             <a:ext uri="{909E8E84-426E-40dd-AFC4-6F175D3DCCD1}">
-              <a14:hiddenFill xmlns="" xmlns:a14="http://schemas.microsoft.com/office/drawing/2010/main">
+              <a14:hiddenFill xmlns:a14="http://schemas.microsoft.com/office/drawing/2010/main" xmlns="">
                 <a:solidFill>
                   <a:srgbClr val="FFFFFF"/>
                 </a:solidFill>
               </a14:hiddenFill>
             </a:ext>
             <a:ext uri="{91240B29-F687-4f45-9708-019B960494DF}">
-              <a14:hiddenLine xmlns="" xmlns:a14="http://schemas.microsoft.com/office/drawing/2010/main" w="9525">
+              <a14:hiddenLine xmlns:a14="http://schemas.microsoft.com/office/drawing/2010/main" xmlns="" w="9525">
                 <a:solidFill>
                   <a:srgbClr val="000000"/>
                 </a:solidFill>
@@ -15425,14 +15425,14 @@
           </a:ln>
           <a:extLst>
             <a:ext uri="{909E8E84-426E-40dd-AFC4-6F175D3DCCD1}">
-              <a14:hiddenFill xmlns="" xmlns:a14="http://schemas.microsoft.com/office/drawing/2010/main">
+              <a14:hiddenFill xmlns:a14="http://schemas.microsoft.com/office/drawing/2010/main" xmlns="">
                 <a:solidFill>
                   <a:srgbClr val="FFFFFF"/>
                 </a:solidFill>
               </a14:hiddenFill>
             </a:ext>
             <a:ext uri="{91240B29-F687-4f45-9708-019B960494DF}">
-              <a14:hiddenLine xmlns="" xmlns:a14="http://schemas.microsoft.com/office/drawing/2010/main" w="9525">
+              <a14:hiddenLine xmlns:a14="http://schemas.microsoft.com/office/drawing/2010/main" xmlns="" w="9525">
                 <a:solidFill>
                   <a:srgbClr val="000000"/>
                 </a:solidFill>
@@ -16859,14 +16859,14 @@
           </a:ln>
           <a:extLst>
             <a:ext uri="{909E8E84-426E-40dd-AFC4-6F175D3DCCD1}">
-              <a14:hiddenFill xmlns="" xmlns:a14="http://schemas.microsoft.com/office/drawing/2010/main">
+              <a14:hiddenFill xmlns:a14="http://schemas.microsoft.com/office/drawing/2010/main" xmlns="">
                 <a:solidFill>
                   <a:srgbClr val="FFFFFF"/>
                 </a:solidFill>
               </a14:hiddenFill>
             </a:ext>
             <a:ext uri="{91240B29-F687-4f45-9708-019B960494DF}">
-              <a14:hiddenLine xmlns="" xmlns:a14="http://schemas.microsoft.com/office/drawing/2010/main" w="9525">
+              <a14:hiddenLine xmlns:a14="http://schemas.microsoft.com/office/drawing/2010/main" xmlns="" w="9525">
                 <a:solidFill>
                   <a:srgbClr val="000000"/>
                 </a:solidFill>
@@ -18200,14 +18200,14 @@
           </a:ln>
           <a:extLst>
             <a:ext uri="{909E8E84-426E-40dd-AFC4-6F175D3DCCD1}">
-              <a14:hiddenFill xmlns="" xmlns:a14="http://schemas.microsoft.com/office/drawing/2010/main">
+              <a14:hiddenFill xmlns:a14="http://schemas.microsoft.com/office/drawing/2010/main" xmlns="">
                 <a:solidFill>
                   <a:srgbClr val="FFFFFF"/>
                 </a:solidFill>
               </a14:hiddenFill>
             </a:ext>
             <a:ext uri="{91240B29-F687-4f45-9708-019B960494DF}">
-              <a14:hiddenLine xmlns="" xmlns:a14="http://schemas.microsoft.com/office/drawing/2010/main" w="9525">
+              <a14:hiddenLine xmlns:a14="http://schemas.microsoft.com/office/drawing/2010/main" xmlns="" w="9525">
                 <a:solidFill>
                   <a:srgbClr val="000000"/>
                 </a:solidFill>
@@ -18765,14 +18765,14 @@
           </a:ln>
           <a:extLst>
             <a:ext uri="{909E8E84-426E-40dd-AFC4-6F175D3DCCD1}">
-              <a14:hiddenFill xmlns="" xmlns:a14="http://schemas.microsoft.com/office/drawing/2010/main">
+              <a14:hiddenFill xmlns:a14="http://schemas.microsoft.com/office/drawing/2010/main" xmlns="">
                 <a:solidFill>
                   <a:srgbClr val="FFFFFF"/>
                 </a:solidFill>
               </a14:hiddenFill>
             </a:ext>
             <a:ext uri="{91240B29-F687-4f45-9708-019B960494DF}">
-              <a14:hiddenLine xmlns="" xmlns:a14="http://schemas.microsoft.com/office/drawing/2010/main" w="9525">
+              <a14:hiddenLine xmlns:a14="http://schemas.microsoft.com/office/drawing/2010/main" xmlns="" w="9525">
                 <a:solidFill>
                   <a:srgbClr val="000000"/>
                 </a:solidFill>
@@ -19339,14 +19339,14 @@
           </a:ln>
           <a:extLst>
             <a:ext uri="{909E8E84-426E-40dd-AFC4-6F175D3DCCD1}">
-              <a14:hiddenFill xmlns="" xmlns:a14="http://schemas.microsoft.com/office/drawing/2010/main">
+              <a14:hiddenFill xmlns:a14="http://schemas.microsoft.com/office/drawing/2010/main" xmlns="">
                 <a:solidFill>
                   <a:srgbClr val="FFFFFF"/>
                 </a:solidFill>
               </a14:hiddenFill>
             </a:ext>
             <a:ext uri="{91240B29-F687-4f45-9708-019B960494DF}">
-              <a14:hiddenLine xmlns="" xmlns:a14="http://schemas.microsoft.com/office/drawing/2010/main" w="9525">
+              <a14:hiddenLine xmlns:a14="http://schemas.microsoft.com/office/drawing/2010/main" xmlns="" w="9525">
                 <a:solidFill>
                   <a:srgbClr val="000000"/>
                 </a:solidFill>
@@ -20286,14 +20286,14 @@
           </a:ln>
           <a:extLst>
             <a:ext uri="{909E8E84-426E-40dd-AFC4-6F175D3DCCD1}">
-              <a14:hiddenFill xmlns="" xmlns:a14="http://schemas.microsoft.com/office/drawing/2010/main">
+              <a14:hiddenFill xmlns:a14="http://schemas.microsoft.com/office/drawing/2010/main" xmlns="">
                 <a:solidFill>
                   <a:srgbClr val="FFFFFF"/>
                 </a:solidFill>
               </a14:hiddenFill>
             </a:ext>
             <a:ext uri="{91240B29-F687-4f45-9708-019B960494DF}">
-              <a14:hiddenLine xmlns="" xmlns:a14="http://schemas.microsoft.com/office/drawing/2010/main" w="9525">
+              <a14:hiddenLine xmlns:a14="http://schemas.microsoft.com/office/drawing/2010/main" xmlns="" w="9525">
                 <a:solidFill>
                   <a:srgbClr val="000000"/>
                 </a:solidFill>
@@ -20392,7 +20392,7 @@
                 <a:ea typeface="+mn-ea"/>
                 <a:cs typeface="+mn-cs"/>
               </a:rPr>
-              <a:t>2017</a:t>
+              <a:t>2018</a:t>
             </a:r>
             <a:r>
               <a:rPr lang="en-US" dirty="0">
@@ -21048,14 +21048,14 @@
           </a:ln>
           <a:extLst>
             <a:ext uri="{909E8E84-426E-40dd-AFC4-6F175D3DCCD1}">
-              <a14:hiddenFill xmlns="" xmlns:a14="http://schemas.microsoft.com/office/drawing/2010/main">
+              <a14:hiddenFill xmlns:a14="http://schemas.microsoft.com/office/drawing/2010/main" xmlns="">
                 <a:solidFill>
                   <a:srgbClr val="FFFFFF"/>
                 </a:solidFill>
               </a14:hiddenFill>
             </a:ext>
             <a:ext uri="{91240B29-F687-4f45-9708-019B960494DF}">
-              <a14:hiddenLine xmlns="" xmlns:a14="http://schemas.microsoft.com/office/drawing/2010/main" w="9525">
+              <a14:hiddenLine xmlns:a14="http://schemas.microsoft.com/office/drawing/2010/main" xmlns="" w="9525">
                 <a:solidFill>
                   <a:srgbClr val="000000"/>
                 </a:solidFill>
@@ -21154,7 +21154,7 @@
                 <a:ea typeface="+mn-ea"/>
                 <a:cs typeface="+mn-cs"/>
               </a:rPr>
-              <a:t>2017</a:t>
+              <a:t>2018</a:t>
             </a:r>
             <a:r>
               <a:rPr lang="en-US" dirty="0">
@@ -35478,6 +35478,27 @@
 </file>
 
 <file path=customXml/item2.xml><?xml version="1.0" encoding="utf-8"?>
+<?mso-contentType ?>
+<FormTemplates xmlns="http://schemas.microsoft.com/sharepoint/v3/contenttype/forms">
+  <Display>DocumentLibraryForm</Display>
+  <Edit>DocumentLibraryForm</Edit>
+  <New>DocumentLibraryForm</New>
+</FormTemplates>
+</file>
+
+<file path=customXml/item3.xml><?xml version="1.0" encoding="utf-8"?>
+<p:properties xmlns:p="http://schemas.microsoft.com/office/2006/metadata/properties" xmlns:xsi="http://www.w3.org/2001/XMLSchema-instance" xmlns:pc="http://schemas.microsoft.com/office/infopath/2007/PartnerControls">
+  <documentManagement>
+    <_dlc_DocId xmlns="7bb5d761-a2ea-4873-95f7-7a6658fb3ef0">M4CWTKMW727E-592-73</_dlc_DocId>
+    <_dlc_DocIdUrl xmlns="7bb5d761-a2ea-4873-95f7-7a6658fb3ef0">
+      <Url>https://kms.vci.local/marketing/team/_layouts/DocIdRedir.aspx?ID=M4CWTKMW727E-592-73</Url>
+      <Description>M4CWTKMW727E-592-73</Description>
+    </_dlc_DocIdUrl>
+  </documentManagement>
+</p:properties>
+</file>
+
+<file path=customXml/item4.xml><?xml version="1.0" encoding="utf-8"?>
 <ct:contentTypeSchema xmlns:ct="http://schemas.microsoft.com/office/2006/metadata/contentType" xmlns:ma="http://schemas.microsoft.com/office/2006/metadata/properties/metaAttributes" ct:_="" ma:_="" ma:contentTypeName="Document" ma:contentTypeID="0x0101000812F700BE7F874999720E88173FE491" ma:contentTypeVersion="0" ma:contentTypeDescription="Create a new document." ma:contentTypeScope="" ma:versionID="3f79f408e2ca720b7aba6e0e32464d0c">
   <xsd:schema xmlns:xsd="http://www.w3.org/2001/XMLSchema" xmlns:xs="http://www.w3.org/2001/XMLSchema" xmlns:p="http://schemas.microsoft.com/office/2006/metadata/properties" xmlns:ns2="7bb5d761-a2ea-4873-95f7-7a6658fb3ef0" targetNamespace="http://schemas.microsoft.com/office/2006/metadata/properties" ma:root="true" ma:fieldsID="1e062cd38ba31e406bfc4340fbc7f87a" ns2:_="">
     <xsd:import namespace="7bb5d761-a2ea-4873-95f7-7a6658fb3ef0"/>
@@ -35622,27 +35643,6 @@
 </ct:contentTypeSchema>
 </file>
 
-<file path=customXml/item3.xml><?xml version="1.0" encoding="utf-8"?>
-<p:properties xmlns:p="http://schemas.microsoft.com/office/2006/metadata/properties" xmlns:xsi="http://www.w3.org/2001/XMLSchema-instance" xmlns:pc="http://schemas.microsoft.com/office/infopath/2007/PartnerControls">
-  <documentManagement>
-    <_dlc_DocId xmlns="7bb5d761-a2ea-4873-95f7-7a6658fb3ef0">M4CWTKMW727E-592-73</_dlc_DocId>
-    <_dlc_DocIdUrl xmlns="7bb5d761-a2ea-4873-95f7-7a6658fb3ef0">
-      <Url>https://kms.vci.local/marketing/team/_layouts/DocIdRedir.aspx?ID=M4CWTKMW727E-592-73</Url>
-      <Description>M4CWTKMW727E-592-73</Description>
-    </_dlc_DocIdUrl>
-  </documentManagement>
-</p:properties>
-</file>
-
-<file path=customXml/item4.xml><?xml version="1.0" encoding="utf-8"?>
-<?mso-contentType ?>
-<FormTemplates xmlns="http://schemas.microsoft.com/sharepoint/v3/contenttype/forms">
-  <Display>DocumentLibraryForm</Display>
-  <Edit>DocumentLibraryForm</Edit>
-  <New>DocumentLibraryForm</New>
-</FormTemplates>
-</file>
-
 <file path=customXml/itemProps1.xml><?xml version="1.0" encoding="utf-8"?>
 <ds:datastoreItem xmlns:ds="http://schemas.openxmlformats.org/officeDocument/2006/customXml" ds:itemID="{B13EBC30-FE27-4C6A-B723-23FC2188F7DC}">
   <ds:schemaRefs>
@@ -35652,19 +35652,9 @@
 </file>
 
 <file path=customXml/itemProps2.xml><?xml version="1.0" encoding="utf-8"?>
-<ds:datastoreItem xmlns:ds="http://schemas.openxmlformats.org/officeDocument/2006/customXml" ds:itemID="{164479E5-0B02-49AC-B79E-EC1D6164DDD3}">
+<ds:datastoreItem xmlns:ds="http://schemas.openxmlformats.org/officeDocument/2006/customXml" ds:itemID="{5CDEB364-43EC-4510-9881-539C2A3FCE9E}">
   <ds:schemaRefs>
-    <ds:schemaRef ds:uri="http://schemas.microsoft.com/office/2006/metadata/contentType"/>
-    <ds:schemaRef ds:uri="http://schemas.microsoft.com/office/2006/metadata/properties/metaAttributes"/>
-    <ds:schemaRef ds:uri="http://www.w3.org/2001/XMLSchema"/>
-    <ds:schemaRef ds:uri="http://schemas.microsoft.com/office/2006/metadata/properties"/>
-    <ds:schemaRef ds:uri="7bb5d761-a2ea-4873-95f7-7a6658fb3ef0"/>
-    <ds:schemaRef ds:uri="http://schemas.microsoft.com/office/2006/documentManagement/types"/>
-    <ds:schemaRef ds:uri="http://schemas.microsoft.com/office/infopath/2007/PartnerControls"/>
-    <ds:schemaRef ds:uri="http://schemas.openxmlformats.org/package/2006/metadata/core-properties"/>
-    <ds:schemaRef ds:uri="http://purl.org/dc/elements/1.1/"/>
-    <ds:schemaRef ds:uri="http://purl.org/dc/terms/"/>
-    <ds:schemaRef ds:uri="http://schemas.microsoft.com/internal/obd"/>
+    <ds:schemaRef ds:uri="http://schemas.microsoft.com/sharepoint/v3/contenttype/forms"/>
   </ds:schemaRefs>
 </ds:datastoreItem>
 </file>
@@ -35686,9 +35676,19 @@
 </file>
 
 <file path=customXml/itemProps4.xml><?xml version="1.0" encoding="utf-8"?>
-<ds:datastoreItem xmlns:ds="http://schemas.openxmlformats.org/officeDocument/2006/customXml" ds:itemID="{5CDEB364-43EC-4510-9881-539C2A3FCE9E}">
+<ds:datastoreItem xmlns:ds="http://schemas.openxmlformats.org/officeDocument/2006/customXml" ds:itemID="{164479E5-0B02-49AC-B79E-EC1D6164DDD3}">
   <ds:schemaRefs>
-    <ds:schemaRef ds:uri="http://schemas.microsoft.com/sharepoint/v3/contenttype/forms"/>
+    <ds:schemaRef ds:uri="http://schemas.microsoft.com/office/2006/metadata/contentType"/>
+    <ds:schemaRef ds:uri="http://schemas.microsoft.com/office/2006/metadata/properties/metaAttributes"/>
+    <ds:schemaRef ds:uri="http://www.w3.org/2001/XMLSchema"/>
+    <ds:schemaRef ds:uri="http://schemas.microsoft.com/office/2006/metadata/properties"/>
+    <ds:schemaRef ds:uri="7bb5d761-a2ea-4873-95f7-7a6658fb3ef0"/>
+    <ds:schemaRef ds:uri="http://schemas.microsoft.com/office/2006/documentManagement/types"/>
+    <ds:schemaRef ds:uri="http://schemas.microsoft.com/office/infopath/2007/PartnerControls"/>
+    <ds:schemaRef ds:uri="http://schemas.openxmlformats.org/package/2006/metadata/core-properties"/>
+    <ds:schemaRef ds:uri="http://purl.org/dc/elements/1.1/"/>
+    <ds:schemaRef ds:uri="http://purl.org/dc/terms/"/>
+    <ds:schemaRef ds:uri="http://schemas.microsoft.com/internal/obd"/>
   </ds:schemaRefs>
 </ds:datastoreItem>
 </file>
--- a/09-approaches_to_extending_resources.pptx
+++ b/09-approaches_to_extending_resources.pptx
@@ -14772,14 +14772,14 @@
           </a:ln>
           <a:extLst>
             <a:ext uri="{909E8E84-426E-40dd-AFC4-6F175D3DCCD1}">
-              <a14:hiddenFill xmlns:a14="http://schemas.microsoft.com/office/drawing/2010/main" xmlns="">
+              <a14:hiddenFill xmlns="" xmlns:a14="http://schemas.microsoft.com/office/drawing/2010/main">
                 <a:solidFill>
                   <a:srgbClr val="FFFFFF"/>
                 </a:solidFill>
               </a14:hiddenFill>
             </a:ext>
             <a:ext uri="{91240B29-F687-4f45-9708-019B960494DF}">
-              <a14:hiddenLine xmlns:a14="http://schemas.microsoft.com/office/drawing/2010/main" xmlns="" w="9525">
+              <a14:hiddenLine xmlns="" xmlns:a14="http://schemas.microsoft.com/office/drawing/2010/main" w="9525">
                 <a:solidFill>
                   <a:srgbClr val="000000"/>
                 </a:solidFill>
@@ -14927,14 +14927,14 @@
           </a:ln>
           <a:extLst>
             <a:ext uri="{909E8E84-426E-40dd-AFC4-6F175D3DCCD1}">
-              <a14:hiddenFill xmlns:a14="http://schemas.microsoft.com/office/drawing/2010/main" xmlns="">
+              <a14:hiddenFill xmlns="" xmlns:a14="http://schemas.microsoft.com/office/drawing/2010/main">
                 <a:solidFill>
                   <a:srgbClr val="FFFFFF"/>
                 </a:solidFill>
               </a14:hiddenFill>
             </a:ext>
             <a:ext uri="{91240B29-F687-4f45-9708-019B960494DF}">
-              <a14:hiddenLine xmlns:a14="http://schemas.microsoft.com/office/drawing/2010/main" xmlns="" w="9525">
+              <a14:hiddenLine xmlns="" xmlns:a14="http://schemas.microsoft.com/office/drawing/2010/main" w="9525">
                 <a:solidFill>
                   <a:srgbClr val="000000"/>
                 </a:solidFill>
@@ -15425,14 +15425,14 @@
           </a:ln>
           <a:extLst>
             <a:ext uri="{909E8E84-426E-40dd-AFC4-6F175D3DCCD1}">
-              <a14:hiddenFill xmlns:a14="http://schemas.microsoft.com/office/drawing/2010/main" xmlns="">
+              <a14:hiddenFill xmlns="" xmlns:a14="http://schemas.microsoft.com/office/drawing/2010/main">
                 <a:solidFill>
                   <a:srgbClr val="FFFFFF"/>
                 </a:solidFill>
               </a14:hiddenFill>
             </a:ext>
             <a:ext uri="{91240B29-F687-4f45-9708-019B960494DF}">
-              <a14:hiddenLine xmlns:a14="http://schemas.microsoft.com/office/drawing/2010/main" xmlns="" w="9525">
+              <a14:hiddenLine xmlns="" xmlns:a14="http://schemas.microsoft.com/office/drawing/2010/main" w="9525">
                 <a:solidFill>
                   <a:srgbClr val="000000"/>
                 </a:solidFill>
@@ -16859,14 +16859,14 @@
           </a:ln>
           <a:extLst>
             <a:ext uri="{909E8E84-426E-40dd-AFC4-6F175D3DCCD1}">
-              <a14:hiddenFill xmlns:a14="http://schemas.microsoft.com/office/drawing/2010/main" xmlns="">
+              <a14:hiddenFill xmlns="" xmlns:a14="http://schemas.microsoft.com/office/drawing/2010/main">
                 <a:solidFill>
                   <a:srgbClr val="FFFFFF"/>
                 </a:solidFill>
               </a14:hiddenFill>
             </a:ext>
             <a:ext uri="{91240B29-F687-4f45-9708-019B960494DF}">
-              <a14:hiddenLine xmlns:a14="http://schemas.microsoft.com/office/drawing/2010/main" xmlns="" w="9525">
+              <a14:hiddenLine xmlns="" xmlns:a14="http://schemas.microsoft.com/office/drawing/2010/main" w="9525">
                 <a:solidFill>
                   <a:srgbClr val="000000"/>
                 </a:solidFill>
@@ -18200,14 +18200,14 @@
           </a:ln>
           <a:extLst>
             <a:ext uri="{909E8E84-426E-40dd-AFC4-6F175D3DCCD1}">
-              <a14:hiddenFill xmlns:a14="http://schemas.microsoft.com/office/drawing/2010/main" xmlns="">
+              <a14:hiddenFill xmlns="" xmlns:a14="http://schemas.microsoft.com/office/drawing/2010/main">
                 <a:solidFill>
                   <a:srgbClr val="FFFFFF"/>
                 </a:solidFill>
               </a14:hiddenFill>
             </a:ext>
             <a:ext uri="{91240B29-F687-4f45-9708-019B960494DF}">
-              <a14:hiddenLine xmlns:a14="http://schemas.microsoft.com/office/drawing/2010/main" xmlns="" w="9525">
+              <a14:hiddenLine xmlns="" xmlns:a14="http://schemas.microsoft.com/office/drawing/2010/main" w="9525">
                 <a:solidFill>
                   <a:srgbClr val="000000"/>
                 </a:solidFill>
@@ -18765,14 +18765,14 @@
           </a:ln>
           <a:extLst>
             <a:ext uri="{909E8E84-426E-40dd-AFC4-6F175D3DCCD1}">
-              <a14:hiddenFill xmlns:a14="http://schemas.microsoft.com/office/drawing/2010/main" xmlns="">
+              <a14:hiddenFill xmlns="" xmlns:a14="http://schemas.microsoft.com/office/drawing/2010/main">
                 <a:solidFill>
                   <a:srgbClr val="FFFFFF"/>
                 </a:solidFill>
               </a14:hiddenFill>
             </a:ext>
             <a:ext uri="{91240B29-F687-4f45-9708-019B960494DF}">
-              <a14:hiddenLine xmlns:a14="http://schemas.microsoft.com/office/drawing/2010/main" xmlns="" w="9525">
+              <a14:hiddenLine xmlns="" xmlns:a14="http://schemas.microsoft.com/office/drawing/2010/main" w="9525">
                 <a:solidFill>
                   <a:srgbClr val="000000"/>
                 </a:solidFill>
@@ -19339,14 +19339,14 @@
           </a:ln>
           <a:extLst>
             <a:ext uri="{909E8E84-426E-40dd-AFC4-6F175D3DCCD1}">
-              <a14:hiddenFill xmlns:a14="http://schemas.microsoft.com/office/drawing/2010/main" xmlns="">
+              <a14:hiddenFill xmlns="" xmlns:a14="http://schemas.microsoft.com/office/drawing/2010/main">
                 <a:solidFill>
                   <a:srgbClr val="FFFFFF"/>
                 </a:solidFill>
               </a14:hiddenFill>
             </a:ext>
             <a:ext uri="{91240B29-F687-4f45-9708-019B960494DF}">
-              <a14:hiddenLine xmlns:a14="http://schemas.microsoft.com/office/drawing/2010/main" xmlns="" w="9525">
+              <a14:hiddenLine xmlns="" xmlns:a14="http://schemas.microsoft.com/office/drawing/2010/main" w="9525">
                 <a:solidFill>
                   <a:srgbClr val="000000"/>
                 </a:solidFill>
@@ -20286,14 +20286,14 @@
           </a:ln>
           <a:extLst>
             <a:ext uri="{909E8E84-426E-40dd-AFC4-6F175D3DCCD1}">
-              <a14:hiddenFill xmlns:a14="http://schemas.microsoft.com/office/drawing/2010/main" xmlns="">
+              <a14:hiddenFill xmlns="" xmlns:a14="http://schemas.microsoft.com/office/drawing/2010/main">
                 <a:solidFill>
                   <a:srgbClr val="FFFFFF"/>
                 </a:solidFill>
               </a14:hiddenFill>
             </a:ext>
             <a:ext uri="{91240B29-F687-4f45-9708-019B960494DF}">
-              <a14:hiddenLine xmlns:a14="http://schemas.microsoft.com/office/drawing/2010/main" xmlns="" w="9525">
+              <a14:hiddenLine xmlns="" xmlns:a14="http://schemas.microsoft.com/office/drawing/2010/main" w="9525">
                 <a:solidFill>
                   <a:srgbClr val="000000"/>
                 </a:solidFill>
@@ -20471,7 +20471,7 @@
                 <a:ea typeface="+mn-ea"/>
                 <a:cs typeface="+mn-cs"/>
               </a:rPr>
-              <a:t>2-</a:t>
+              <a:t>9-</a:t>
             </a:r>
             <a:fld id="{F0B79B2F-E1DD-4D43-95B3-EA08C411D807}" type="slidenum">
               <a:rPr lang="en-US" smtClean="0">
@@ -21048,14 +21048,14 @@
           </a:ln>
           <a:extLst>
             <a:ext uri="{909E8E84-426E-40dd-AFC4-6F175D3DCCD1}">
-              <a14:hiddenFill xmlns:a14="http://schemas.microsoft.com/office/drawing/2010/main" xmlns="">
+              <a14:hiddenFill xmlns="" xmlns:a14="http://schemas.microsoft.com/office/drawing/2010/main">
                 <a:solidFill>
                   <a:srgbClr val="FFFFFF"/>
                 </a:solidFill>
               </a14:hiddenFill>
             </a:ext>
             <a:ext uri="{91240B29-F687-4f45-9708-019B960494DF}">
-              <a14:hiddenLine xmlns:a14="http://schemas.microsoft.com/office/drawing/2010/main" xmlns="" w="9525">
+              <a14:hiddenLine xmlns="" xmlns:a14="http://schemas.microsoft.com/office/drawing/2010/main" w="9525">
                 <a:solidFill>
                   <a:srgbClr val="000000"/>
                 </a:solidFill>
@@ -21233,7 +21233,7 @@
                 <a:ea typeface="+mn-ea"/>
                 <a:cs typeface="+mn-cs"/>
               </a:rPr>
-              <a:t>2-</a:t>
+              <a:t>9-</a:t>
             </a:r>
             <a:fld id="{F0B79B2F-E1DD-4D43-95B3-EA08C411D807}" type="slidenum">
               <a:rPr lang="en-US" smtClean="0">
@@ -35433,6 +35433,15 @@
 
 <file path=customXml/item1.xml><?xml version="1.0" encoding="utf-8"?>
 <?mso-contentType ?>
+<FormTemplates xmlns="http://schemas.microsoft.com/sharepoint/v3/contenttype/forms">
+  <Display>DocumentLibraryForm</Display>
+  <Edit>DocumentLibraryForm</Edit>
+  <New>DocumentLibraryForm</New>
+</FormTemplates>
+</file>
+
+<file path=customXml/item2.xml><?xml version="1.0" encoding="utf-8"?>
+<?mso-contentType ?>
 <spe:Receivers xmlns:spe="http://schemas.microsoft.com/sharepoint/events">
   <Receiver>
     <Name>Document ID Generator</Name>
@@ -35477,28 +35486,7 @@
 </spe:Receivers>
 </file>
 
-<file path=customXml/item2.xml><?xml version="1.0" encoding="utf-8"?>
-<?mso-contentType ?>
-<FormTemplates xmlns="http://schemas.microsoft.com/sharepoint/v3/contenttype/forms">
-  <Display>DocumentLibraryForm</Display>
-  <Edit>DocumentLibraryForm</Edit>
-  <New>DocumentLibraryForm</New>
-</FormTemplates>
-</file>
-
 <file path=customXml/item3.xml><?xml version="1.0" encoding="utf-8"?>
-<p:properties xmlns:p="http://schemas.microsoft.com/office/2006/metadata/properties" xmlns:xsi="http://www.w3.org/2001/XMLSchema-instance" xmlns:pc="http://schemas.microsoft.com/office/infopath/2007/PartnerControls">
-  <documentManagement>
-    <_dlc_DocId xmlns="7bb5d761-a2ea-4873-95f7-7a6658fb3ef0">M4CWTKMW727E-592-73</_dlc_DocId>
-    <_dlc_DocIdUrl xmlns="7bb5d761-a2ea-4873-95f7-7a6658fb3ef0">
-      <Url>https://kms.vci.local/marketing/team/_layouts/DocIdRedir.aspx?ID=M4CWTKMW727E-592-73</Url>
-      <Description>M4CWTKMW727E-592-73</Description>
-    </_dlc_DocIdUrl>
-  </documentManagement>
-</p:properties>
-</file>
-
-<file path=customXml/item4.xml><?xml version="1.0" encoding="utf-8"?>
 <ct:contentTypeSchema xmlns:ct="http://schemas.microsoft.com/office/2006/metadata/contentType" xmlns:ma="http://schemas.microsoft.com/office/2006/metadata/properties/metaAttributes" ct:_="" ma:_="" ma:contentTypeName="Document" ma:contentTypeID="0x0101000812F700BE7F874999720E88173FE491" ma:contentTypeVersion="0" ma:contentTypeDescription="Create a new document." ma:contentTypeScope="" ma:versionID="3f79f408e2ca720b7aba6e0e32464d0c">
   <xsd:schema xmlns:xsd="http://www.w3.org/2001/XMLSchema" xmlns:xs="http://www.w3.org/2001/XMLSchema" xmlns:p="http://schemas.microsoft.com/office/2006/metadata/properties" xmlns:ns2="7bb5d761-a2ea-4873-95f7-7a6658fb3ef0" targetNamespace="http://schemas.microsoft.com/office/2006/metadata/properties" ma:root="true" ma:fieldsID="1e062cd38ba31e406bfc4340fbc7f87a" ns2:_="">
     <xsd:import namespace="7bb5d761-a2ea-4873-95f7-7a6658fb3ef0"/>
@@ -35643,7 +35631,27 @@
 </ct:contentTypeSchema>
 </file>
 
+<file path=customXml/item4.xml><?xml version="1.0" encoding="utf-8"?>
+<p:properties xmlns:p="http://schemas.microsoft.com/office/2006/metadata/properties" xmlns:xsi="http://www.w3.org/2001/XMLSchema-instance" xmlns:pc="http://schemas.microsoft.com/office/infopath/2007/PartnerControls">
+  <documentManagement>
+    <_dlc_DocId xmlns="7bb5d761-a2ea-4873-95f7-7a6658fb3ef0">M4CWTKMW727E-592-73</_dlc_DocId>
+    <_dlc_DocIdUrl xmlns="7bb5d761-a2ea-4873-95f7-7a6658fb3ef0">
+      <Url>https://kms.vci.local/marketing/team/_layouts/DocIdRedir.aspx?ID=M4CWTKMW727E-592-73</Url>
+      <Description>M4CWTKMW727E-592-73</Description>
+    </_dlc_DocIdUrl>
+  </documentManagement>
+</p:properties>
+</file>
+
 <file path=customXml/itemProps1.xml><?xml version="1.0" encoding="utf-8"?>
+<ds:datastoreItem xmlns:ds="http://schemas.openxmlformats.org/officeDocument/2006/customXml" ds:itemID="{5CDEB364-43EC-4510-9881-539C2A3FCE9E}">
+  <ds:schemaRefs>
+    <ds:schemaRef ds:uri="http://schemas.microsoft.com/sharepoint/v3/contenttype/forms"/>
+  </ds:schemaRefs>
+</ds:datastoreItem>
+</file>
+
+<file path=customXml/itemProps2.xml><?xml version="1.0" encoding="utf-8"?>
 <ds:datastoreItem xmlns:ds="http://schemas.openxmlformats.org/officeDocument/2006/customXml" ds:itemID="{B13EBC30-FE27-4C6A-B723-23FC2188F7DC}">
   <ds:schemaRefs>
     <ds:schemaRef ds:uri="http://schemas.microsoft.com/sharepoint/events"/>
@@ -35651,31 +35659,7 @@
 </ds:datastoreItem>
 </file>
 
-<file path=customXml/itemProps2.xml><?xml version="1.0" encoding="utf-8"?>
-<ds:datastoreItem xmlns:ds="http://schemas.openxmlformats.org/officeDocument/2006/customXml" ds:itemID="{5CDEB364-43EC-4510-9881-539C2A3FCE9E}">
-  <ds:schemaRefs>
-    <ds:schemaRef ds:uri="http://schemas.microsoft.com/sharepoint/v3/contenttype/forms"/>
-  </ds:schemaRefs>
-</ds:datastoreItem>
-</file>
-
 <file path=customXml/itemProps3.xml><?xml version="1.0" encoding="utf-8"?>
-<ds:datastoreItem xmlns:ds="http://schemas.openxmlformats.org/officeDocument/2006/customXml" ds:itemID="{6921749B-AEB7-461B-845F-603CABD25259}">
-  <ds:schemaRefs>
-    <ds:schemaRef ds:uri="7bb5d761-a2ea-4873-95f7-7a6658fb3ef0"/>
-    <ds:schemaRef ds:uri="http://purl.org/dc/terms/"/>
-    <ds:schemaRef ds:uri="http://schemas.openxmlformats.org/package/2006/metadata/core-properties"/>
-    <ds:schemaRef ds:uri="http://purl.org/dc/dcmitype/"/>
-    <ds:schemaRef ds:uri="http://schemas.microsoft.com/office/2006/documentManagement/types"/>
-    <ds:schemaRef ds:uri="http://purl.org/dc/elements/1.1/"/>
-    <ds:schemaRef ds:uri="http://schemas.microsoft.com/office/2006/metadata/properties"/>
-    <ds:schemaRef ds:uri="http://schemas.microsoft.com/office/infopath/2007/PartnerControls"/>
-    <ds:schemaRef ds:uri="http://www.w3.org/XML/1998/namespace"/>
-  </ds:schemaRefs>
-</ds:datastoreItem>
-</file>
-
-<file path=customXml/itemProps4.xml><?xml version="1.0" encoding="utf-8"?>
 <ds:datastoreItem xmlns:ds="http://schemas.openxmlformats.org/officeDocument/2006/customXml" ds:itemID="{164479E5-0B02-49AC-B79E-EC1D6164DDD3}">
   <ds:schemaRefs>
     <ds:schemaRef ds:uri="http://schemas.microsoft.com/office/2006/metadata/contentType"/>
@@ -35691,4 +35675,20 @@
     <ds:schemaRef ds:uri="http://schemas.microsoft.com/internal/obd"/>
   </ds:schemaRefs>
 </ds:datastoreItem>
+</file>
+
+<file path=customXml/itemProps4.xml><?xml version="1.0" encoding="utf-8"?>
+<ds:datastoreItem xmlns:ds="http://schemas.openxmlformats.org/officeDocument/2006/customXml" ds:itemID="{6921749B-AEB7-461B-845F-603CABD25259}">
+  <ds:schemaRefs>
+    <ds:schemaRef ds:uri="7bb5d761-a2ea-4873-95f7-7a6658fb3ef0"/>
+    <ds:schemaRef ds:uri="http://purl.org/dc/terms/"/>
+    <ds:schemaRef ds:uri="http://schemas.openxmlformats.org/package/2006/metadata/core-properties"/>
+    <ds:schemaRef ds:uri="http://purl.org/dc/dcmitype/"/>
+    <ds:schemaRef ds:uri="http://schemas.microsoft.com/office/2006/documentManagement/types"/>
+    <ds:schemaRef ds:uri="http://purl.org/dc/elements/1.1/"/>
+    <ds:schemaRef ds:uri="http://schemas.microsoft.com/office/2006/metadata/properties"/>
+    <ds:schemaRef ds:uri="http://schemas.microsoft.com/office/infopath/2007/PartnerControls"/>
+    <ds:schemaRef ds:uri="http://www.w3.org/XML/1998/namespace"/>
+  </ds:schemaRefs>
+</ds:datastoreItem>
 </file>